--- a/2025-04-11_CAS-UNIL_ASAP.pptx
+++ b/2025-04-11_CAS-UNIL_ASAP.pptx
@@ -258,7 +258,7 @@
               <a:rPr lang="fr-CH" smtClean="0">
                 <a:latin typeface="Arial" panose="020B0604020202020204" pitchFamily="34" charset="0"/>
               </a:rPr>
-              <a:t>09.04.2025</a:t>
+              <a:t>11.04.2025</a:t>
             </a:fld>
             <a:endParaRPr lang="fr-CH" dirty="0">
               <a:latin typeface="Arial" panose="020B0604020202020204" pitchFamily="34" charset="0"/>
@@ -336,7 +336,7 @@
               <a:rPr lang="fr-CH" smtClean="0">
                 <a:latin typeface="Arial" panose="020B0604020202020204" pitchFamily="34" charset="0"/>
               </a:rPr>
-              <a:t>‹#›</a:t>
+              <a:t>‹N°›</a:t>
             </a:fld>
             <a:endParaRPr lang="fr-CH" dirty="0">
               <a:latin typeface="Arial" panose="020B0604020202020204" pitchFamily="34" charset="0"/>
@@ -446,7 +446,7 @@
           <a:p>
             <a:fld id="{62D5A2E6-BF77-514A-A699-CC694C3BD51F}" type="datetime1">
               <a:rPr lang="fr-CH" smtClean="0"/>
-              <a:t>09.04.2025</a:t>
+              <a:t>11.04.2025</a:t>
             </a:fld>
             <a:endParaRPr lang="fr-FR" dirty="0"/>
           </a:p>
@@ -588,7 +588,7 @@
             <a:fld id="{4CF50783-AAED-1941-8BCC-9F6140F0A6B1}" type="slidenum">
               <a:rPr lang="fr-FR" smtClean="0"/>
               <a:pPr/>
-              <a:t>‹#›</a:t>
+              <a:t>‹N°›</a:t>
             </a:fld>
             <a:endParaRPr lang="fr-FR" dirty="0"/>
           </a:p>
@@ -1208,7 +1208,7 @@
             <a:fld id="{E1E1CD7C-2161-7D43-862E-CE4C333CD873}" type="slidenum">
               <a:rPr lang="fr-FR" smtClean="0"/>
               <a:pPr/>
-              <a:t>‹#›</a:t>
+              <a:t>‹N°›</a:t>
             </a:fld>
             <a:endParaRPr lang="fr-FR" dirty="0"/>
           </a:p>
@@ -1439,7 +1439,7 @@
           <a:p>
             <a:fld id="{330EA680-D336-4FF7-8B7A-9848BB0A1C32}" type="slidenum">
               <a:rPr lang="en-US" smtClean="0"/>
-              <a:t>‹#›</a:t>
+              <a:t>‹N°›</a:t>
             </a:fld>
             <a:endParaRPr lang="en-US"/>
           </a:p>
@@ -1573,7 +1573,7 @@
           <a:p>
             <a:fld id="{330EA680-D336-4FF7-8B7A-9848BB0A1C32}" type="slidenum">
               <a:rPr lang="en-US" smtClean="0"/>
-              <a:t>‹#›</a:t>
+              <a:t>‹N°›</a:t>
             </a:fld>
             <a:endParaRPr lang="en-US"/>
           </a:p>
@@ -1866,7 +1866,7 @@
             <a:fld id="{E1E1CD7C-2161-7D43-862E-CE4C333CD873}" type="slidenum">
               <a:rPr lang="en-GB" noProof="0" smtClean="0"/>
               <a:pPr/>
-              <a:t>‹#›</a:t>
+              <a:t>‹N°›</a:t>
             </a:fld>
             <a:endParaRPr lang="en-GB" noProof="0"/>
           </a:p>
@@ -3191,16 +3191,26 @@
               <a:t>Part of the </a:t>
             </a:r>
             <a:r>
-              <a:rPr lang="en-US" sz="1800" dirty="0" err="1"/>
+              <a:rPr lang="en-US" sz="1800" dirty="0" err="1">
+                <a:hlinkClick r:id="rId2"/>
+              </a:rPr>
               <a:t>sc</a:t>
             </a:r>
             <a:r>
-              <a:rPr lang="en-US" sz="1800" b="1" dirty="0" err="1"/>
+              <a:rPr lang="en-US" sz="1800" b="1" dirty="0" err="1">
+                <a:hlinkClick r:id="rId2"/>
+              </a:rPr>
               <a:t>FAIR</a:t>
             </a:r>
             <a:r>
+              <a:rPr lang="en-US" sz="1800" dirty="0">
+                <a:hlinkClick r:id="rId2"/>
+              </a:rPr>
+              <a:t> </a:t>
+            </a:r>
+            <a:r>
               <a:rPr lang="en-US" sz="1800" dirty="0"/>
-              <a:t> initiative for standardizing single-cell genomics data</a:t>
+              <a:t>initiative for standardizing single-cell genomics data</a:t>
             </a:r>
             <a:endParaRPr lang="fr-FR" sz="1800" dirty="0"/>
           </a:p>
@@ -3359,6 +3369,14 @@
             </a:r>
             <a:r>
               <a:rPr lang="fr-FR" sz="1800" dirty="0" err="1"/>
+              <a:t>mitigating</a:t>
+            </a:r>
+            <a:r>
+              <a:rPr lang="fr-FR" sz="1800" dirty="0"/>
+              <a:t> </a:t>
+            </a:r>
+            <a:r>
+              <a:rPr lang="fr-FR" sz="1800" dirty="0" err="1"/>
               <a:t>computing</a:t>
             </a:r>
             <a:r>
@@ -3379,36 +3397,6 @@
             <a:extLst>
               <a:ext uri="{FF2B5EF4-FFF2-40B4-BE49-F238E27FC236}">
                 <a16:creationId xmlns:a16="http://schemas.microsoft.com/office/drawing/2014/main" id="{42E4F648-57F8-C1E2-692A-3FEF0327B8FA}"/>
-              </a:ext>
-            </a:extLst>
-          </p:cNvPr>
-          <p:cNvPicPr>
-            <a:picLocks noChangeAspect="1"/>
-          </p:cNvPicPr>
-          <p:nvPr/>
-        </p:nvPicPr>
-        <p:blipFill>
-          <a:blip r:embed="rId2"/>
-          <a:stretch>
-            <a:fillRect/>
-          </a:stretch>
-        </p:blipFill>
-        <p:spPr>
-          <a:xfrm>
-            <a:off x="89705" y="123288"/>
-            <a:ext cx="1898032" cy="392415"/>
-          </a:xfrm>
-          <a:prstGeom prst="rect">
-            <a:avLst/>
-          </a:prstGeom>
-        </p:spPr>
-      </p:pic>
-      <p:pic>
-        <p:nvPicPr>
-          <p:cNvPr id="7" name="Picture 6">
-            <a:extLst>
-              <a:ext uri="{FF2B5EF4-FFF2-40B4-BE49-F238E27FC236}">
-                <a16:creationId xmlns:a16="http://schemas.microsoft.com/office/drawing/2014/main" id="{4CB234DC-7224-C2F9-07F2-E44E96C1FFE2}"/>
               </a:ext>
             </a:extLst>
           </p:cNvPr>
@@ -3419,6 +3407,36 @@
         </p:nvPicPr>
         <p:blipFill>
           <a:blip r:embed="rId3"/>
+          <a:stretch>
+            <a:fillRect/>
+          </a:stretch>
+        </p:blipFill>
+        <p:spPr>
+          <a:xfrm>
+            <a:off x="89705" y="123288"/>
+            <a:ext cx="1898032" cy="392415"/>
+          </a:xfrm>
+          <a:prstGeom prst="rect">
+            <a:avLst/>
+          </a:prstGeom>
+        </p:spPr>
+      </p:pic>
+      <p:pic>
+        <p:nvPicPr>
+          <p:cNvPr id="7" name="Picture 6">
+            <a:extLst>
+              <a:ext uri="{FF2B5EF4-FFF2-40B4-BE49-F238E27FC236}">
+                <a16:creationId xmlns:a16="http://schemas.microsoft.com/office/drawing/2014/main" id="{4CB234DC-7224-C2F9-07F2-E44E96C1FFE2}"/>
+              </a:ext>
+            </a:extLst>
+          </p:cNvPr>
+          <p:cNvPicPr>
+            <a:picLocks noChangeAspect="1"/>
+          </p:cNvPicPr>
+          <p:nvPr/>
+        </p:nvPicPr>
+        <p:blipFill>
+          <a:blip r:embed="rId4"/>
           <a:stretch>
             <a:fillRect/>
           </a:stretch>
@@ -5088,7 +5106,7 @@
             </a:r>
             <a:r>
               <a:rPr lang="fr-FR" dirty="0"/>
-              <a:t> 24h</a:t>
+              <a:t> 48h</a:t>
             </a:r>
           </a:p>
         </p:txBody>
@@ -6883,12 +6901,14 @@
               <a:buChar char="•"/>
             </a:pPr>
             <a:r>
-              <a:rPr lang="en-US" sz="1800" dirty="0" err="1"/>
+              <a:rPr lang="en-US" sz="1800" dirty="0" err="1">
+                <a:hlinkClick r:id="rId2"/>
+              </a:rPr>
               <a:t>CELLxGENE</a:t>
             </a:r>
             <a:r>
               <a:rPr lang="en-US" sz="1800" dirty="0"/>
-              <a:t> (from CZI) </a:t>
+              <a:t> (from Chan Zuckerberg Initiative, CZI) </a:t>
             </a:r>
           </a:p>
           <a:p>
@@ -6911,7 +6931,7 @@
           <p:nvPr/>
         </p:nvPicPr>
         <p:blipFill>
-          <a:blip r:embed="rId2"/>
+          <a:blip r:embed="rId3"/>
           <a:stretch>
             <a:fillRect/>
           </a:stretch>
@@ -6956,7 +6976,7 @@
           <a:p>
             <a:r>
               <a:rPr lang="fr-FR" sz="788" dirty="0">
-                <a:hlinkClick r:id="rId3"/>
+                <a:hlinkClick r:id="rId2"/>
               </a:rPr>
               <a:t>https://cellxgene.cziscience.com/</a:t>
             </a:r>
@@ -7187,8 +7207,14 @@
               <a:buChar char="•"/>
             </a:pPr>
             <a:r>
+              <a:rPr lang="en-US" sz="1800" dirty="0">
+                <a:hlinkClick r:id="rId2"/>
+              </a:rPr>
+              <a:t>Single-cell Expression Atlas </a:t>
+            </a:r>
+            <a:r>
               <a:rPr lang="en-US" sz="1800" dirty="0"/>
-              <a:t>Single-cell Expression Atlas (from EBI)</a:t>
+              <a:t>(from EBI)</a:t>
             </a:r>
           </a:p>
           <a:p>
@@ -7225,7 +7251,7 @@
           <p:nvPr/>
         </p:nvPicPr>
         <p:blipFill>
-          <a:blip r:embed="rId2"/>
+          <a:blip r:embed="rId3"/>
           <a:stretch>
             <a:fillRect/>
           </a:stretch>
@@ -7270,7 +7296,7 @@
           <a:p>
             <a:r>
               <a:rPr lang="fr-FR" sz="788" dirty="0">
-                <a:hlinkClick r:id="rId3"/>
+                <a:hlinkClick r:id="rId2"/>
               </a:rPr>
               <a:t>https://www.ebi.ac.uk/gxa/home</a:t>
             </a:r>
@@ -7511,8 +7537,14 @@
               <a:buChar char="•"/>
             </a:pPr>
             <a:r>
+              <a:rPr lang="en-US" sz="1800" dirty="0">
+                <a:hlinkClick r:id="rId2"/>
+              </a:rPr>
+              <a:t>Single Cell PORTAL </a:t>
+            </a:r>
+            <a:r>
               <a:rPr lang="en-US" sz="1800" dirty="0"/>
-              <a:t>Single Cell PORTAL (from Broad </a:t>
+              <a:t>(from Broad </a:t>
             </a:r>
             <a:r>
               <a:rPr lang="en-US" sz="1800" dirty="0" err="1"/>
@@ -7529,7 +7561,9 @@
               <a:buChar char="•"/>
             </a:pPr>
             <a:r>
-              <a:rPr lang="en-US" sz="1800" dirty="0" err="1"/>
+              <a:rPr lang="en-US" sz="1800" dirty="0" err="1">
+                <a:hlinkClick r:id="rId3"/>
+              </a:rPr>
               <a:t>Bgee</a:t>
             </a:r>
             <a:r>
@@ -7571,7 +7605,7 @@
           <p:nvPr/>
         </p:nvPicPr>
         <p:blipFill>
-          <a:blip r:embed="rId2"/>
+          <a:blip r:embed="rId4"/>
           <a:stretch>
             <a:fillRect/>
           </a:stretch>
@@ -7601,7 +7635,7 @@
         <p:spPr>
           <a:xfrm>
             <a:off x="6858000" y="4619026"/>
-            <a:ext cx="4572000" cy="334835"/>
+            <a:ext cx="4572000" cy="456087"/>
           </a:xfrm>
           <a:prstGeom prst="rect">
             <a:avLst/>
@@ -7616,18 +7650,27 @@
           <a:p>
             <a:r>
               <a:rPr lang="fr-FR" sz="788" dirty="0">
+                <a:hlinkClick r:id="rId5"/>
+              </a:rPr>
+              <a:t>https://www.ebi.ac.uk/gxa/home</a:t>
+            </a:r>
+            <a:endParaRPr lang="fr-FR" sz="788" dirty="0"/>
+          </a:p>
+          <a:p>
+            <a:r>
+              <a:rPr lang="fr-FR" sz="788" dirty="0">
+                <a:hlinkClick r:id="rId2"/>
+              </a:rPr>
+              <a:t>https://singlecell.broadinstitute.org/single_cell</a:t>
+            </a:r>
+            <a:endParaRPr lang="fr-FR" sz="788" dirty="0"/>
+          </a:p>
+          <a:p>
+            <a:r>
+              <a:rPr lang="fr-FR" sz="788" dirty="0">
                 <a:hlinkClick r:id="rId3"/>
               </a:rPr>
-              <a:t>https://www.ebi.ac.uk/gxa/home</a:t>
-            </a:r>
-            <a:endParaRPr lang="fr-FR" sz="788" dirty="0"/>
-          </a:p>
-          <a:p>
-            <a:r>
-              <a:rPr lang="fr-FR" sz="788" dirty="0">
-                <a:hlinkClick r:id="rId4"/>
-              </a:rPr>
-              <a:t>https://singlecell.broadinstitute.org/single_cell</a:t>
+              <a:t>https://www.bgee.org/</a:t>
             </a:r>
             <a:endParaRPr lang="fr-FR" sz="788" dirty="0"/>
           </a:p>
@@ -7648,7 +7691,7 @@
           <p:nvPr/>
         </p:nvPicPr>
         <p:blipFill>
-          <a:blip r:embed="rId5"/>
+          <a:blip r:embed="rId6"/>
           <a:stretch>
             <a:fillRect/>
           </a:stretch>
